--- a/slides/Introduction to xarray.pptx
+++ b/slides/Introduction to xarray.pptx
@@ -262,6 +262,52 @@
 </p:presentation>
 </file>
 
+<file path=ppt/revisionInfo.xml><?xml version="1.0" encoding="utf-8"?>
+<p1510:revInfo xmlns:a="http://schemas.openxmlformats.org/drawingml/2006/main" xmlns:r="http://schemas.openxmlformats.org/officeDocument/2006/relationships" xmlns:p1510="http://schemas.microsoft.com/office/powerpoint/2015/10/main">
+  <p1510:revLst>
+    <p1510:client id="{F0E219E6-1252-C547-BA10-14476A7BCF14}" v="2" dt="2025-11-20T08:35:55.697"/>
+  </p1510:revLst>
+</p1510:revInfo>
+</file>
+
+<file path=ppt/changesInfos/changesInfo1.xml><?xml version="1.0" encoding="utf-8"?>
+<pc:chgInfo xmlns:a="http://schemas.openxmlformats.org/drawingml/2006/main" xmlns:r="http://schemas.openxmlformats.org/officeDocument/2006/relationships" xmlns:ac="http://schemas.microsoft.com/office/drawing/2013/main/command" xmlns:pc="http://schemas.microsoft.com/office/powerpoint/2013/main/command">
+  <pc:docChgLst>
+    <pc:chgData name="Robin Guillaume-Castel" userId="d00fb1e9-a1ad-4e14-9c90-8ac9508e8689" providerId="ADAL" clId="{9694768D-AE80-5C96-BE9F-2F4CFE4E5900}"/>
+    <pc:docChg chg="modMainMaster">
+      <pc:chgData name="Robin Guillaume-Castel" userId="d00fb1e9-a1ad-4e14-9c90-8ac9508e8689" providerId="ADAL" clId="{9694768D-AE80-5C96-BE9F-2F4CFE4E5900}" dt="2025-11-20T08:35:55.697" v="1" actId="27636"/>
+      <pc:docMkLst>
+        <pc:docMk/>
+      </pc:docMkLst>
+      <pc:sldMasterChg chg="modSldLayout">
+        <pc:chgData name="Robin Guillaume-Castel" userId="d00fb1e9-a1ad-4e14-9c90-8ac9508e8689" providerId="ADAL" clId="{9694768D-AE80-5C96-BE9F-2F4CFE4E5900}" dt="2025-11-20T08:35:55.697" v="1" actId="27636"/>
+        <pc:sldMasterMkLst>
+          <pc:docMk/>
+          <pc:sldMasterMk cId="1765427073" sldId="2147483648"/>
+        </pc:sldMasterMkLst>
+        <pc:sldLayoutChg chg="addSp modSp">
+          <pc:chgData name="Robin Guillaume-Castel" userId="d00fb1e9-a1ad-4e14-9c90-8ac9508e8689" providerId="ADAL" clId="{9694768D-AE80-5C96-BE9F-2F4CFE4E5900}" dt="2025-11-20T08:35:55.697" v="1" actId="27636"/>
+          <pc:sldLayoutMkLst>
+            <pc:docMk/>
+            <pc:sldMasterMk cId="1765427073" sldId="2147483648"/>
+            <pc:sldLayoutMk cId="155734712" sldId="2147483649"/>
+          </pc:sldLayoutMkLst>
+          <pc:picChg chg="add mod">
+            <ac:chgData name="Robin Guillaume-Castel" userId="d00fb1e9-a1ad-4e14-9c90-8ac9508e8689" providerId="ADAL" clId="{9694768D-AE80-5C96-BE9F-2F4CFE4E5900}" dt="2025-11-20T08:35:55.697" v="1" actId="27636"/>
+            <ac:picMkLst>
+              <pc:docMk/>
+              <pc:sldMasterMk cId="1765427073" sldId="2147483648"/>
+              <pc:sldLayoutMk cId="155734712" sldId="2147483649"/>
+              <ac:picMk id="8" creationId="{521DBA13-B7CF-A882-A72C-46032DE1511E}"/>
+            </ac:picMkLst>
+          </pc:picChg>
+        </pc:sldLayoutChg>
+      </pc:sldMasterChg>
+    </pc:docChg>
+  </pc:docChgLst>
+</pc:chgInfo>
+</file>
+
 <file path=ppt/notesMasters/notesMaster1.xml><?xml version="1.0" encoding="utf-8"?>
 <p:notesMaster xmlns:a="http://schemas.openxmlformats.org/drawingml/2006/main" xmlns:r="http://schemas.openxmlformats.org/officeDocument/2006/relationships" xmlns:p="http://schemas.openxmlformats.org/presentationml/2006/main">
   <p:cSld>
@@ -344,7 +390,7 @@
           <a:p>
             <a:fld id="{0EDC86C1-B24B-41D3-BB9D-3E904495D85B}" type="datetimeFigureOut">
               <a:rPr lang="en-US" smtClean="0"/>
-              <a:t>9/25/2024</a:t>
+              <a:t>11/20/25</a:t>
             </a:fld>
             <a:endParaRPr lang="en-US"/>
           </a:p>
@@ -503,7 +549,7 @@
           <a:p>
             <a:fld id="{C992BAA7-6BA6-41AC-8BA9-85AA7795B40B}" type="slidenum">
               <a:rPr lang="en-US" smtClean="0"/>
-              <a:t>‹N°›</a:t>
+              <a:t>‹#›</a:t>
             </a:fld>
             <a:endParaRPr lang="en-US"/>
           </a:p>
@@ -825,7 +871,7 @@
           <a:p>
             <a:fld id="{7DE9978D-9615-424F-9A3D-E3659B09CE50}" type="slidenum">
               <a:rPr lang="en-US" smtClean="0"/>
-              <a:t>‹N°›</a:t>
+              <a:t>‹#›</a:t>
             </a:fld>
             <a:endParaRPr lang="en-US"/>
           </a:p>
@@ -885,6 +931,53 @@
           </a:p>
         </p:txBody>
       </p:sp>
+      <p:pic>
+        <p:nvPicPr>
+          <p:cNvPr id="8" name="Picture 2">
+            <a:extLst>
+              <a:ext uri="{FF2B5EF4-FFF2-40B4-BE49-F238E27FC236}">
+                <a16:creationId xmlns:a16="http://schemas.microsoft.com/office/drawing/2014/main" id="{521DBA13-B7CF-A882-A72C-46032DE1511E}"/>
+              </a:ext>
+            </a:extLst>
+          </p:cNvPr>
+          <p:cNvPicPr>
+            <a:picLocks noChangeAspect="1" noChangeArrowheads="1"/>
+          </p:cNvPicPr>
+          <p:nvPr userDrawn="1"/>
+        </p:nvPicPr>
+        <p:blipFill>
+          <a:blip r:embed="rId2">
+            <a:extLst>
+              <a:ext uri="{28A0092B-C50C-407E-A947-70E740481C1C}">
+                <a14:useLocalDpi xmlns:a14="http://schemas.microsoft.com/office/drawing/2010/main" val="0"/>
+              </a:ext>
+            </a:extLst>
+          </a:blip>
+          <a:srcRect/>
+          <a:stretch>
+            <a:fillRect/>
+          </a:stretch>
+        </p:blipFill>
+        <p:spPr bwMode="auto">
+          <a:xfrm>
+            <a:off x="8444688" y="6408248"/>
+            <a:ext cx="895254" cy="313227"/>
+          </a:xfrm>
+          <a:prstGeom prst="rect">
+            <a:avLst/>
+          </a:prstGeom>
+          <a:noFill/>
+          <a:extLst>
+            <a:ext uri="{909E8E84-426E-40DD-AFC4-6F175D3DCCD1}">
+              <a14:hiddenFill xmlns:a14="http://schemas.microsoft.com/office/drawing/2010/main">
+                <a:solidFill>
+                  <a:srgbClr val="FFFFFF"/>
+                </a:solidFill>
+              </a14:hiddenFill>
+            </a:ext>
+          </a:extLst>
+        </p:spPr>
+      </p:pic>
     </p:spTree>
     <p:extLst>
       <p:ext uri="{BB962C8B-B14F-4D97-AF65-F5344CB8AC3E}">
@@ -1081,7 +1174,7 @@
           <a:p>
             <a:fld id="{7DE9978D-9615-424F-9A3D-E3659B09CE50}" type="slidenum">
               <a:rPr lang="en-US" smtClean="0"/>
-              <a:t>‹N°›</a:t>
+              <a:t>‹#›</a:t>
             </a:fld>
             <a:endParaRPr lang="en-US"/>
           </a:p>
@@ -1293,7 +1386,7 @@
           <a:p>
             <a:fld id="{7DE9978D-9615-424F-9A3D-E3659B09CE50}" type="slidenum">
               <a:rPr lang="en-US" smtClean="0"/>
-              <a:t>‹N°›</a:t>
+              <a:t>‹#›</a:t>
             </a:fld>
             <a:endParaRPr lang="en-US"/>
           </a:p>
@@ -1515,7 +1608,7 @@
           <a:p>
             <a:fld id="{7DE9978D-9615-424F-9A3D-E3659B09CE50}" type="slidenum">
               <a:rPr lang="en-US" smtClean="0"/>
-              <a:t>‹N°›</a:t>
+              <a:t>‹#›</a:t>
             </a:fld>
             <a:endParaRPr lang="en-US"/>
           </a:p>
@@ -1797,7 +1890,7 @@
           <a:p>
             <a:fld id="{7DE9978D-9615-424F-9A3D-E3659B09CE50}" type="slidenum">
               <a:rPr lang="en-US" smtClean="0"/>
-              <a:t>‹N°›</a:t>
+              <a:t>‹#›</a:t>
             </a:fld>
             <a:endParaRPr lang="en-US"/>
           </a:p>
@@ -2067,7 +2160,7 @@
           <a:p>
             <a:fld id="{7DE9978D-9615-424F-9A3D-E3659B09CE50}" type="slidenum">
               <a:rPr lang="en-US" smtClean="0"/>
-              <a:t>‹N°›</a:t>
+              <a:t>‹#›</a:t>
             </a:fld>
             <a:endParaRPr lang="en-US"/>
           </a:p>
@@ -2484,7 +2577,7 @@
           <a:p>
             <a:fld id="{7DE9978D-9615-424F-9A3D-E3659B09CE50}" type="slidenum">
               <a:rPr lang="en-US" smtClean="0"/>
-              <a:t>‹N°›</a:t>
+              <a:t>‹#›</a:t>
             </a:fld>
             <a:endParaRPr lang="en-US"/>
           </a:p>
@@ -2628,7 +2721,7 @@
           <a:p>
             <a:fld id="{7DE9978D-9615-424F-9A3D-E3659B09CE50}" type="slidenum">
               <a:rPr lang="en-US" smtClean="0"/>
-              <a:t>‹N°›</a:t>
+              <a:t>‹#›</a:t>
             </a:fld>
             <a:endParaRPr lang="en-US"/>
           </a:p>
@@ -2743,7 +2836,7 @@
           <a:p>
             <a:fld id="{7DE9978D-9615-424F-9A3D-E3659B09CE50}" type="slidenum">
               <a:rPr lang="en-US" smtClean="0"/>
-              <a:t>‹N°›</a:t>
+              <a:t>‹#›</a:t>
             </a:fld>
             <a:endParaRPr lang="en-US"/>
           </a:p>
@@ -3058,7 +3151,7 @@
           <a:p>
             <a:fld id="{7DE9978D-9615-424F-9A3D-E3659B09CE50}" type="slidenum">
               <a:rPr lang="en-US" smtClean="0"/>
-              <a:t>‹N°›</a:t>
+              <a:t>‹#›</a:t>
             </a:fld>
             <a:endParaRPr lang="en-US"/>
           </a:p>
@@ -3349,7 +3442,7 @@
           <a:p>
             <a:fld id="{7DE9978D-9615-424F-9A3D-E3659B09CE50}" type="slidenum">
               <a:rPr lang="en-US" smtClean="0"/>
-              <a:t>‹N°›</a:t>
+              <a:t>‹#›</a:t>
             </a:fld>
             <a:endParaRPr lang="en-US"/>
           </a:p>
@@ -3794,7 +3887,7 @@
           <a:p>
             <a:fld id="{7DE9978D-9615-424F-9A3D-E3659B09CE50}" type="slidenum">
               <a:rPr lang="en-US" smtClean="0"/>
-              <a:t>‹N°›</a:t>
+              <a:t>‹#›</a:t>
             </a:fld>
             <a:endParaRPr lang="en-US"/>
           </a:p>
@@ -38112,7 +38205,7 @@
         </p:spPr>
         <p:txBody>
           <a:bodyPr vert="horz" lIns="91440" tIns="45720" rIns="91440" bIns="45720" rtlCol="0">
-            <a:normAutofit fontScale="92500"/>
+            <a:normAutofit/>
           </a:bodyPr>
           <a:lstStyle>
             <a:lvl1pPr marL="228600" indent="-228600" algn="l" defTabSz="914400" rtl="0" eaLnBrk="1" latinLnBrk="0" hangingPunct="1">
